--- a/submission2/431_Group 25_Task 2_20101231.pptx
+++ b/submission2/431_Group 25_Task 2_20101231.pptx
@@ -16,23 +16,24 @@
     <p:sldId id="261" r:id="rId11"/>
     <p:sldId id="262" r:id="rId12"/>
     <p:sldId id="263" r:id="rId13"/>
+    <p:sldId id="264" r:id="rId14"/>
   </p:sldIdLst>
   <p:sldSz cy="5143500" cx="9144000"/>
   <p:notesSz cx="6858000" cy="9144000"/>
   <p:embeddedFontLst>
     <p:embeddedFont>
       <p:font typeface="Raleway"/>
-      <p:regular r:id="rId14"/>
-      <p:bold r:id="rId15"/>
-      <p:italic r:id="rId16"/>
-      <p:boldItalic r:id="rId17"/>
+      <p:regular r:id="rId15"/>
+      <p:bold r:id="rId16"/>
+      <p:italic r:id="rId17"/>
+      <p:boldItalic r:id="rId18"/>
     </p:embeddedFont>
     <p:embeddedFont>
       <p:font typeface="Lato"/>
-      <p:regular r:id="rId18"/>
-      <p:bold r:id="rId19"/>
-      <p:italic r:id="rId20"/>
-      <p:boldItalic r:id="rId21"/>
+      <p:regular r:id="rId19"/>
+      <p:bold r:id="rId20"/>
+      <p:italic r:id="rId21"/>
+      <p:boldItalic r:id="rId22"/>
     </p:embeddedFont>
   </p:embeddedFontLst>
   <p:defaultTextStyle>
@@ -1668,7 +1669,7 @@
   <p:cSld>
     <p:spTree>
       <p:nvGrpSpPr>
-        <p:cNvPr id="137" name="Shape 137"/>
+        <p:cNvPr id="139" name="Shape 139"/>
         <p:cNvGrpSpPr/>
         <p:nvPr/>
       </p:nvGrpSpPr>
@@ -1682,7 +1683,7 @@
       </p:grpSpPr>
       <p:sp>
         <p:nvSpPr>
-          <p:cNvPr id="138" name="Google Shape;138;p8:notes"/>
+          <p:cNvPr id="140" name="Google Shape;140;g278e0953839_0_9:notes"/>
           <p:cNvSpPr/>
           <p:nvPr>
             <p:ph idx="2" type="sldImg"/>
@@ -1727,7 +1728,124 @@
       </p:sp>
       <p:sp>
         <p:nvSpPr>
-          <p:cNvPr id="139" name="Google Shape;139;p8:notes"/>
+          <p:cNvPr id="141" name="Google Shape;141;g278e0953839_0_9:notes"/>
+          <p:cNvSpPr txBox="1"/>
+          <p:nvPr>
+            <p:ph idx="1" type="body"/>
+          </p:nvPr>
+        </p:nvSpPr>
+        <p:spPr>
+          <a:xfrm>
+            <a:off x="685800" y="4343400"/>
+            <a:ext cx="5486400" cy="4114800"/>
+          </a:xfrm>
+          <a:prstGeom prst="rect">
+            <a:avLst/>
+          </a:prstGeom>
+          <a:noFill/>
+          <a:ln>
+            <a:noFill/>
+          </a:ln>
+        </p:spPr>
+        <p:txBody>
+          <a:bodyPr anchorCtr="0" anchor="t" bIns="91425" lIns="91425" spcFirstLastPara="1" rIns="91425" wrap="square" tIns="91425">
+            <a:noAutofit/>
+          </a:bodyPr>
+          <a:lstStyle/>
+          <a:p>
+            <a:pPr indent="0" lvl="0" marL="0" rtl="0" algn="l">
+              <a:lnSpc>
+                <a:spcPct val="100000"/>
+              </a:lnSpc>
+              <a:spcBef>
+                <a:spcPts val="0"/>
+              </a:spcBef>
+              <a:spcAft>
+                <a:spcPts val="0"/>
+              </a:spcAft>
+              <a:buSzPts val="1100"/>
+              <a:buNone/>
+            </a:pPr>
+            <a:r>
+              <a:t/>
+            </a:r>
+            <a:endParaRPr/>
+          </a:p>
+        </p:txBody>
+      </p:sp>
+    </p:spTree>
+  </p:cSld>
+  <p:clrMapOvr>
+    <a:masterClrMapping/>
+  </p:clrMapOvr>
+</p:notes>
+</file>
+
+<file path=ppt/notesSlides/notesSlide9.xml><?xml version="1.0" encoding="utf-8"?>
+<p:notes xmlns:a="http://schemas.openxmlformats.org/drawingml/2006/main" xmlns:r="http://schemas.openxmlformats.org/officeDocument/2006/relationships" xmlns:mc="http://schemas.openxmlformats.org/markup-compatibility/2006" xmlns:mv="urn:schemas-microsoft-com:mac:vml" xmlns:p="http://schemas.openxmlformats.org/presentationml/2006/main" xmlns:c="http://schemas.openxmlformats.org/drawingml/2006/chart" xmlns:dgm="http://schemas.openxmlformats.org/drawingml/2006/diagram" xmlns:o="urn:schemas-microsoft-com:office:office" xmlns:v="urn:schemas-microsoft-com:vml" xmlns:pvml="urn:schemas-microsoft-com:office:powerpoint" xmlns:com="http://schemas.openxmlformats.org/drawingml/2006/compatibility" xmlns:p14="http://schemas.microsoft.com/office/powerpoint/2010/main" xmlns:p15="http://schemas.microsoft.com/office/powerpoint/2012/main" xmlns:ahyp="http://schemas.microsoft.com/office/drawing/2018/hyperlinkcolor" showMasterPhAnim="0" showMasterSp="0">
+  <p:cSld>
+    <p:spTree>
+      <p:nvGrpSpPr>
+        <p:cNvPr id="146" name="Shape 146"/>
+        <p:cNvGrpSpPr/>
+        <p:nvPr/>
+      </p:nvGrpSpPr>
+      <p:grpSpPr>
+        <a:xfrm>
+          <a:off x="0" y="0"/>
+          <a:ext cx="0" cy="0"/>
+          <a:chOff x="0" y="0"/>
+          <a:chExt cx="0" cy="0"/>
+        </a:xfrm>
+      </p:grpSpPr>
+      <p:sp>
+        <p:nvSpPr>
+          <p:cNvPr id="147" name="Google Shape;147;p8:notes"/>
+          <p:cNvSpPr/>
+          <p:nvPr>
+            <p:ph idx="2" type="sldImg"/>
+          </p:nvPr>
+        </p:nvSpPr>
+        <p:spPr>
+          <a:xfrm>
+            <a:off x="381300" y="685800"/>
+            <a:ext cx="6096000" cy="3429000"/>
+          </a:xfrm>
+          <a:custGeom>
+            <a:rect b="b" l="l" r="r" t="t"/>
+            <a:pathLst>
+              <a:path extrusionOk="0" h="120000" w="120000">
+                <a:moveTo>
+                  <a:pt x="0" y="0"/>
+                </a:moveTo>
+                <a:lnTo>
+                  <a:pt x="120000" y="0"/>
+                </a:lnTo>
+                <a:lnTo>
+                  <a:pt x="120000" y="120000"/>
+                </a:lnTo>
+                <a:lnTo>
+                  <a:pt x="0" y="120000"/>
+                </a:lnTo>
+                <a:close/>
+              </a:path>
+            </a:pathLst>
+          </a:custGeom>
+          <a:noFill/>
+          <a:ln cap="flat" cmpd="sng" w="9525">
+            <a:solidFill>
+              <a:srgbClr val="000000"/>
+            </a:solidFill>
+            <a:prstDash val="solid"/>
+            <a:round/>
+            <a:headEnd len="sm" w="sm" type="none"/>
+            <a:tailEnd len="sm" w="sm" type="none"/>
+          </a:ln>
+        </p:spPr>
+      </p:sp>
+      <p:sp>
+        <p:nvSpPr>
+          <p:cNvPr id="148" name="Google Shape;148;p8:notes"/>
           <p:cNvSpPr txBox="1"/>
           <p:nvPr>
             <p:ph idx="1" type="body"/>
@@ -12832,7 +12950,31 @@
                 <a:cs typeface="Arial"/>
                 <a:sym typeface="Arial"/>
               </a:rPr>
-              <a:t>In the end authors had generated approximately 810,000 samples where 730,000 samples were assigned for training and 80,000 samples were assigned for testing</a:t>
+              <a:t>In the end authors had generated approximately 810,</a:t>
+            </a:r>
+            <a:r>
+              <a:rPr lang="en">
+                <a:solidFill>
+                  <a:srgbClr val="000000"/>
+                </a:solidFill>
+                <a:latin typeface="Arial"/>
+                <a:ea typeface="Arial"/>
+                <a:cs typeface="Arial"/>
+                <a:sym typeface="Arial"/>
+              </a:rPr>
+              <a:t>0</a:t>
+            </a:r>
+            <a:r>
+              <a:rPr lang="en">
+                <a:solidFill>
+                  <a:srgbClr val="000000"/>
+                </a:solidFill>
+                <a:latin typeface="Arial"/>
+                <a:ea typeface="Arial"/>
+                <a:cs typeface="Arial"/>
+                <a:sym typeface="Arial"/>
+              </a:rPr>
+              <a:t>00 samples where 730,000 samples were assigned for training and 80,000 samples were assigned for testing</a:t>
             </a:r>
             <a:endParaRPr>
               <a:solidFill>
@@ -13732,202 +13874,232 @@
           </a:p>
         </p:txBody>
       </p:sp>
-      <p:pic>
-        <p:nvPicPr>
+      <p:grpSp>
+        <p:nvGrpSpPr>
           <p:cNvPr id="133" name="Google Shape;133;p19"/>
-          <p:cNvPicPr preferRelativeResize="0"/>
+          <p:cNvGrpSpPr/>
           <p:nvPr/>
-        </p:nvPicPr>
-        <p:blipFill>
-          <a:blip r:embed="rId3">
-            <a:alphaModFix/>
-          </a:blip>
-          <a:stretch>
-            <a:fillRect/>
-          </a:stretch>
-        </p:blipFill>
-        <p:spPr>
+        </p:nvGrpSpPr>
+        <p:grpSpPr>
           <a:xfrm>
-            <a:off x="6171225" y="598575"/>
-            <a:ext cx="2402349" cy="1960325"/>
+            <a:off x="6018825" y="598575"/>
+            <a:ext cx="2436575" cy="2274850"/>
+            <a:chOff x="6171225" y="598575"/>
+            <a:chExt cx="2436575" cy="2274850"/>
           </a:xfrm>
-          <a:prstGeom prst="rect">
-            <a:avLst/>
-          </a:prstGeom>
-          <a:noFill/>
-          <a:ln>
+        </p:grpSpPr>
+        <p:pic>
+          <p:nvPicPr>
+            <p:cNvPr id="134" name="Google Shape;134;p19"/>
+            <p:cNvPicPr preferRelativeResize="0"/>
+            <p:nvPr/>
+          </p:nvPicPr>
+          <p:blipFill>
+            <a:blip r:embed="rId3">
+              <a:alphaModFix/>
+            </a:blip>
+            <a:stretch>
+              <a:fillRect/>
+            </a:stretch>
+          </p:blipFill>
+          <p:spPr>
+            <a:xfrm>
+              <a:off x="6171225" y="598575"/>
+              <a:ext cx="2402349" cy="1960325"/>
+            </a:xfrm>
+            <a:prstGeom prst="rect">
+              <a:avLst/>
+            </a:prstGeom>
             <a:noFill/>
-          </a:ln>
-        </p:spPr>
-      </p:pic>
-      <p:pic>
-        <p:nvPicPr>
-          <p:cNvPr id="134" name="Google Shape;134;p19"/>
-          <p:cNvPicPr preferRelativeResize="0"/>
-          <p:nvPr/>
-        </p:nvPicPr>
-        <p:blipFill>
-          <a:blip r:embed="rId4">
-            <a:alphaModFix/>
-          </a:blip>
-          <a:stretch>
-            <a:fillRect/>
-          </a:stretch>
-        </p:blipFill>
-        <p:spPr>
-          <a:xfrm>
-            <a:off x="6171225" y="2939900"/>
-            <a:ext cx="2344726" cy="1914475"/>
-          </a:xfrm>
-          <a:prstGeom prst="rect">
-            <a:avLst/>
-          </a:prstGeom>
-          <a:noFill/>
-          <a:ln>
+            <a:ln>
+              <a:noFill/>
+            </a:ln>
+          </p:spPr>
+        </p:pic>
+        <p:sp>
+          <p:nvSpPr>
+            <p:cNvPr id="135" name="Google Shape;135;p19"/>
+            <p:cNvSpPr txBox="1"/>
+            <p:nvPr/>
+          </p:nvSpPr>
+          <p:spPr>
+            <a:xfrm>
+              <a:off x="6441800" y="2473225"/>
+              <a:ext cx="2166000" cy="400200"/>
+            </a:xfrm>
+            <a:prstGeom prst="rect">
+              <a:avLst/>
+            </a:prstGeom>
             <a:noFill/>
-          </a:ln>
-        </p:spPr>
-      </p:pic>
-      <p:sp>
-        <p:nvSpPr>
-          <p:cNvPr id="135" name="Google Shape;135;p19"/>
-          <p:cNvSpPr txBox="1"/>
-          <p:nvPr/>
-        </p:nvSpPr>
-        <p:spPr>
-          <a:xfrm>
-            <a:off x="6407500" y="2463500"/>
-            <a:ext cx="2208600" cy="400200"/>
-          </a:xfrm>
-          <a:prstGeom prst="rect">
-            <a:avLst/>
-          </a:prstGeom>
-          <a:noFill/>
-          <a:ln>
-            <a:noFill/>
-          </a:ln>
-        </p:spPr>
-        <p:txBody>
-          <a:bodyPr anchorCtr="0" anchor="t" bIns="91425" lIns="91425" spcFirstLastPara="1" rIns="91425" wrap="square" tIns="91425">
-            <a:spAutoFit/>
-          </a:bodyPr>
-          <a:lstStyle/>
-          <a:p>
-            <a:pPr indent="0" lvl="0" marL="0" rtl="0" algn="ctr">
-              <a:spcBef>
-                <a:spcPts val="0"/>
-              </a:spcBef>
-              <a:spcAft>
-                <a:spcPts val="0"/>
-              </a:spcAft>
-              <a:buNone/>
-            </a:pPr>
-            <a:r>
-              <a:rPr lang="en" sz="900">
+            <a:ln>
+              <a:noFill/>
+            </a:ln>
+          </p:spPr>
+          <p:txBody>
+            <a:bodyPr anchorCtr="0" anchor="t" bIns="91425" lIns="91425" spcFirstLastPara="1" rIns="91425" wrap="square" tIns="91425">
+              <a:spAutoFit/>
+            </a:bodyPr>
+            <a:lstStyle/>
+            <a:p>
+              <a:pPr indent="0" lvl="0" marL="0" rtl="0" algn="ctr">
+                <a:spcBef>
+                  <a:spcPts val="0"/>
+                </a:spcBef>
+                <a:spcAft>
+                  <a:spcPts val="0"/>
+                </a:spcAft>
+                <a:buNone/>
+              </a:pPr>
+              <a:r>
+                <a:rPr lang="en" sz="900">
+                  <a:latin typeface="Lato"/>
+                  <a:ea typeface="Lato"/>
+                  <a:cs typeface="Lato"/>
+                  <a:sym typeface="Lato"/>
+                </a:rPr>
+                <a:t>Fig. 2.</a:t>
+              </a:r>
+              <a:r>
+                <a:rPr lang="en">
+                  <a:latin typeface="Lato"/>
+                  <a:ea typeface="Lato"/>
+                  <a:cs typeface="Lato"/>
+                  <a:sym typeface="Lato"/>
+                </a:rPr>
+                <a:t> </a:t>
+              </a:r>
+              <a:r>
+                <a:rPr lang="en" sz="900">
+                  <a:latin typeface="Lato"/>
+                  <a:ea typeface="Lato"/>
+                  <a:cs typeface="Lato"/>
+                  <a:sym typeface="Lato"/>
+                </a:rPr>
+                <a:t>Top-5 accuracy with fixed length</a:t>
+              </a:r>
+              <a:endParaRPr sz="900">
                 <a:latin typeface="Lato"/>
                 <a:ea typeface="Lato"/>
                 <a:cs typeface="Lato"/>
                 <a:sym typeface="Lato"/>
-              </a:rPr>
-              <a:t>Fig. 2.</a:t>
-            </a:r>
-            <a:r>
-              <a:rPr lang="en">
+              </a:endParaRPr>
+            </a:p>
+          </p:txBody>
+        </p:sp>
+      </p:grpSp>
+      <p:grpSp>
+        <p:nvGrpSpPr>
+          <p:cNvPr id="136" name="Google Shape;136;p19"/>
+          <p:cNvGrpSpPr/>
+          <p:nvPr/>
+        </p:nvGrpSpPr>
+        <p:grpSpPr>
+          <a:xfrm>
+            <a:off x="6010850" y="2939900"/>
+            <a:ext cx="2605200" cy="2238475"/>
+            <a:chOff x="6163250" y="2939900"/>
+            <a:chExt cx="2605200" cy="2238475"/>
+          </a:xfrm>
+        </p:grpSpPr>
+        <p:pic>
+          <p:nvPicPr>
+            <p:cNvPr id="137" name="Google Shape;137;p19"/>
+            <p:cNvPicPr preferRelativeResize="0"/>
+            <p:nvPr/>
+          </p:nvPicPr>
+          <p:blipFill>
+            <a:blip r:embed="rId4">
+              <a:alphaModFix/>
+            </a:blip>
+            <a:stretch>
+              <a:fillRect/>
+            </a:stretch>
+          </p:blipFill>
+          <p:spPr>
+            <a:xfrm>
+              <a:off x="6171225" y="2939900"/>
+              <a:ext cx="2344726" cy="1914475"/>
+            </a:xfrm>
+            <a:prstGeom prst="rect">
+              <a:avLst/>
+            </a:prstGeom>
+            <a:noFill/>
+            <a:ln>
+              <a:noFill/>
+            </a:ln>
+          </p:spPr>
+        </p:pic>
+        <p:sp>
+          <p:nvSpPr>
+            <p:cNvPr id="138" name="Google Shape;138;p19"/>
+            <p:cNvSpPr txBox="1"/>
+            <p:nvPr/>
+          </p:nvSpPr>
+          <p:spPr>
+            <a:xfrm>
+              <a:off x="6163250" y="4778175"/>
+              <a:ext cx="2605200" cy="400200"/>
+            </a:xfrm>
+            <a:prstGeom prst="rect">
+              <a:avLst/>
+            </a:prstGeom>
+            <a:noFill/>
+            <a:ln>
+              <a:noFill/>
+            </a:ln>
+          </p:spPr>
+          <p:txBody>
+            <a:bodyPr anchorCtr="0" anchor="t" bIns="91425" lIns="91425" spcFirstLastPara="1" rIns="91425" wrap="square" tIns="91425">
+              <a:spAutoFit/>
+            </a:bodyPr>
+            <a:lstStyle/>
+            <a:p>
+              <a:pPr indent="0" lvl="0" marL="0" rtl="0" algn="ctr">
+                <a:spcBef>
+                  <a:spcPts val="0"/>
+                </a:spcBef>
+                <a:spcAft>
+                  <a:spcPts val="0"/>
+                </a:spcAft>
+                <a:buNone/>
+              </a:pPr>
+              <a:r>
+                <a:rPr lang="en" sz="900">
+                  <a:latin typeface="Lato"/>
+                  <a:ea typeface="Lato"/>
+                  <a:cs typeface="Lato"/>
+                  <a:sym typeface="Lato"/>
+                </a:rPr>
+                <a:t>Fig. 3.</a:t>
+              </a:r>
+              <a:r>
+                <a:rPr lang="en">
+                  <a:latin typeface="Lato"/>
+                  <a:ea typeface="Lato"/>
+                  <a:cs typeface="Lato"/>
+                  <a:sym typeface="Lato"/>
+                </a:rPr>
+                <a:t> </a:t>
+              </a:r>
+              <a:r>
+                <a:rPr lang="en" sz="900">
+                  <a:latin typeface="Lato"/>
+                  <a:ea typeface="Lato"/>
+                  <a:cs typeface="Lato"/>
+                  <a:sym typeface="Lato"/>
+                </a:rPr>
+                <a:t>Top-5 accuracy with variable dimensions</a:t>
+              </a:r>
+              <a:endParaRPr sz="900">
                 <a:latin typeface="Lato"/>
                 <a:ea typeface="Lato"/>
                 <a:cs typeface="Lato"/>
                 <a:sym typeface="Lato"/>
-              </a:rPr>
-              <a:t> </a:t>
-            </a:r>
-            <a:r>
-              <a:rPr lang="en" sz="900">
-                <a:latin typeface="Lato"/>
-                <a:ea typeface="Lato"/>
-                <a:cs typeface="Lato"/>
-                <a:sym typeface="Lato"/>
-              </a:rPr>
-              <a:t>Top-5 accuracy with fixed length</a:t>
-            </a:r>
-            <a:endParaRPr sz="900">
-              <a:latin typeface="Lato"/>
-              <a:ea typeface="Lato"/>
-              <a:cs typeface="Lato"/>
-              <a:sym typeface="Lato"/>
-            </a:endParaRPr>
-          </a:p>
-        </p:txBody>
-      </p:sp>
-      <p:sp>
-        <p:nvSpPr>
-          <p:cNvPr id="136" name="Google Shape;136;p19"/>
-          <p:cNvSpPr txBox="1"/>
-          <p:nvPr/>
-        </p:nvSpPr>
-        <p:spPr>
-          <a:xfrm>
-            <a:off x="6163250" y="4778175"/>
-            <a:ext cx="2605200" cy="400200"/>
-          </a:xfrm>
-          <a:prstGeom prst="rect">
-            <a:avLst/>
-          </a:prstGeom>
-          <a:noFill/>
-          <a:ln>
-            <a:noFill/>
-          </a:ln>
-        </p:spPr>
-        <p:txBody>
-          <a:bodyPr anchorCtr="0" anchor="t" bIns="91425" lIns="91425" spcFirstLastPara="1" rIns="91425" wrap="square" tIns="91425">
-            <a:spAutoFit/>
-          </a:bodyPr>
-          <a:lstStyle/>
-          <a:p>
-            <a:pPr indent="0" lvl="0" marL="0" rtl="0" algn="ctr">
-              <a:spcBef>
-                <a:spcPts val="0"/>
-              </a:spcBef>
-              <a:spcAft>
-                <a:spcPts val="0"/>
-              </a:spcAft>
-              <a:buNone/>
-            </a:pPr>
-            <a:r>
-              <a:rPr lang="en" sz="900">
-                <a:latin typeface="Lato"/>
-                <a:ea typeface="Lato"/>
-                <a:cs typeface="Lato"/>
-                <a:sym typeface="Lato"/>
-              </a:rPr>
-              <a:t>Fig. 3.</a:t>
-            </a:r>
-            <a:r>
-              <a:rPr lang="en">
-                <a:latin typeface="Lato"/>
-                <a:ea typeface="Lato"/>
-                <a:cs typeface="Lato"/>
-                <a:sym typeface="Lato"/>
-              </a:rPr>
-              <a:t> </a:t>
-            </a:r>
-            <a:r>
-              <a:rPr lang="en" sz="900">
-                <a:latin typeface="Lato"/>
-                <a:ea typeface="Lato"/>
-                <a:cs typeface="Lato"/>
-                <a:sym typeface="Lato"/>
-              </a:rPr>
-              <a:t>Top-5 accuracy with variable dimensions</a:t>
-            </a:r>
-            <a:endParaRPr sz="900">
-              <a:latin typeface="Lato"/>
-              <a:ea typeface="Lato"/>
-              <a:cs typeface="Lato"/>
-              <a:sym typeface="Lato"/>
-            </a:endParaRPr>
-          </a:p>
-        </p:txBody>
-      </p:sp>
+              </a:endParaRPr>
+            </a:p>
+          </p:txBody>
+        </p:sp>
+      </p:grpSp>
     </p:spTree>
   </p:cSld>
   <p:clrMapOvr>
@@ -13941,7 +14113,7 @@
   <p:cSld>
     <p:spTree>
       <p:nvGrpSpPr>
-        <p:cNvPr id="140" name="Shape 140"/>
+        <p:cNvPr id="142" name="Shape 142"/>
         <p:cNvGrpSpPr/>
         <p:nvPr/>
       </p:nvGrpSpPr>
@@ -13955,7 +14127,270 @@
       </p:grpSpPr>
       <p:sp>
         <p:nvSpPr>
-          <p:cNvPr id="141" name="Google Shape;141;p20"/>
+          <p:cNvPr id="143" name="Google Shape;143;p20"/>
+          <p:cNvSpPr txBox="1"/>
+          <p:nvPr>
+            <p:ph type="title"/>
+          </p:nvPr>
+        </p:nvSpPr>
+        <p:spPr>
+          <a:xfrm>
+            <a:off x="729450" y="510625"/>
+            <a:ext cx="7688700" cy="535200"/>
+          </a:xfrm>
+          <a:prstGeom prst="rect">
+            <a:avLst/>
+          </a:prstGeom>
+          <a:noFill/>
+          <a:ln>
+            <a:noFill/>
+          </a:ln>
+        </p:spPr>
+        <p:txBody>
+          <a:bodyPr anchorCtr="0" anchor="t" bIns="91425" lIns="91425" spcFirstLastPara="1" rIns="91425" wrap="square" tIns="91425">
+            <a:normAutofit fontScale="90000"/>
+          </a:bodyPr>
+          <a:lstStyle/>
+          <a:p>
+            <a:pPr indent="0" lvl="0" marL="0" rtl="0" algn="l">
+              <a:spcBef>
+                <a:spcPts val="0"/>
+              </a:spcBef>
+              <a:spcAft>
+                <a:spcPts val="0"/>
+              </a:spcAft>
+              <a:buNone/>
+            </a:pPr>
+            <a:r>
+              <a:rPr lang="en"/>
+              <a:t>Future scope of improvement</a:t>
+            </a:r>
+            <a:endParaRPr/>
+          </a:p>
+          <a:p>
+            <a:pPr indent="0" lvl="0" marL="0" rtl="0" algn="l">
+              <a:spcBef>
+                <a:spcPts val="0"/>
+              </a:spcBef>
+              <a:spcAft>
+                <a:spcPts val="0"/>
+              </a:spcAft>
+              <a:buNone/>
+            </a:pPr>
+            <a:r>
+              <a:t/>
+            </a:r>
+            <a:endParaRPr/>
+          </a:p>
+          <a:p>
+            <a:pPr indent="0" lvl="0" marL="0" rtl="0" algn="l">
+              <a:lnSpc>
+                <a:spcPct val="115000"/>
+              </a:lnSpc>
+              <a:spcBef>
+                <a:spcPts val="0"/>
+              </a:spcBef>
+              <a:spcAft>
+                <a:spcPts val="0"/>
+              </a:spcAft>
+              <a:buSzPct val="113043"/>
+              <a:buNone/>
+            </a:pPr>
+            <a:r>
+              <a:t/>
+            </a:r>
+            <a:endParaRPr sz="2300">
+              <a:solidFill>
+                <a:srgbClr val="000000"/>
+              </a:solidFill>
+            </a:endParaRPr>
+          </a:p>
+        </p:txBody>
+      </p:sp>
+      <p:sp>
+        <p:nvSpPr>
+          <p:cNvPr id="144" name="Google Shape;144;p20"/>
+          <p:cNvSpPr txBox="1"/>
+          <p:nvPr>
+            <p:ph idx="1" type="body"/>
+          </p:nvPr>
+        </p:nvSpPr>
+        <p:spPr>
+          <a:xfrm>
+            <a:off x="577050" y="2191575"/>
+            <a:ext cx="7688700" cy="2900400"/>
+          </a:xfrm>
+          <a:prstGeom prst="rect">
+            <a:avLst/>
+          </a:prstGeom>
+          <a:noFill/>
+          <a:ln>
+            <a:noFill/>
+          </a:ln>
+        </p:spPr>
+        <p:txBody>
+          <a:bodyPr anchorCtr="0" anchor="t" bIns="91425" lIns="91425" spcFirstLastPara="1" rIns="91425" wrap="square" tIns="91425">
+            <a:normAutofit/>
+          </a:bodyPr>
+          <a:lstStyle/>
+          <a:p>
+            <a:pPr indent="-330200" lvl="0" marL="457200" rtl="0" algn="just">
+              <a:lnSpc>
+                <a:spcPct val="200000"/>
+              </a:lnSpc>
+              <a:spcBef>
+                <a:spcPts val="0"/>
+              </a:spcBef>
+              <a:spcAft>
+                <a:spcPts val="0"/>
+              </a:spcAft>
+              <a:buClr>
+                <a:srgbClr val="000000"/>
+              </a:buClr>
+              <a:buSzPts val="1600"/>
+              <a:buFont typeface="Arial"/>
+              <a:buChar char="●"/>
+            </a:pPr>
+            <a:r>
+              <a:rPr lang="en" sz="1600">
+                <a:solidFill>
+                  <a:srgbClr val="000000"/>
+                </a:solidFill>
+                <a:latin typeface="Arial"/>
+                <a:ea typeface="Arial"/>
+                <a:cs typeface="Arial"/>
+                <a:sym typeface="Arial"/>
+              </a:rPr>
+              <a:t>Combining multiple sessions</a:t>
+            </a:r>
+            <a:endParaRPr sz="1600">
+              <a:solidFill>
+                <a:srgbClr val="000000"/>
+              </a:solidFill>
+              <a:latin typeface="Arial"/>
+              <a:ea typeface="Arial"/>
+              <a:cs typeface="Arial"/>
+              <a:sym typeface="Arial"/>
+            </a:endParaRPr>
+          </a:p>
+          <a:p>
+            <a:pPr indent="-330200" lvl="0" marL="457200" rtl="0" algn="just">
+              <a:lnSpc>
+                <a:spcPct val="200000"/>
+              </a:lnSpc>
+              <a:spcBef>
+                <a:spcPts val="0"/>
+              </a:spcBef>
+              <a:spcAft>
+                <a:spcPts val="0"/>
+              </a:spcAft>
+              <a:buClr>
+                <a:srgbClr val="000000"/>
+              </a:buClr>
+              <a:buSzPts val="1600"/>
+              <a:buFont typeface="Arial"/>
+              <a:buChar char="●"/>
+            </a:pPr>
+            <a:r>
+              <a:rPr lang="en" sz="1600">
+                <a:solidFill>
+                  <a:srgbClr val="000000"/>
+                </a:solidFill>
+                <a:latin typeface="Arial"/>
+                <a:ea typeface="Arial"/>
+                <a:cs typeface="Arial"/>
+                <a:sym typeface="Arial"/>
+              </a:rPr>
+              <a:t>Utilize the effect of historical behavior</a:t>
+            </a:r>
+            <a:endParaRPr sz="1600">
+              <a:solidFill>
+                <a:srgbClr val="000000"/>
+              </a:solidFill>
+              <a:latin typeface="Arial"/>
+              <a:ea typeface="Arial"/>
+              <a:cs typeface="Arial"/>
+              <a:sym typeface="Arial"/>
+            </a:endParaRPr>
+          </a:p>
+        </p:txBody>
+      </p:sp>
+      <p:sp>
+        <p:nvSpPr>
+          <p:cNvPr id="145" name="Google Shape;145;p20"/>
+          <p:cNvSpPr txBox="1"/>
+          <p:nvPr>
+            <p:ph idx="12" type="sldNum"/>
+          </p:nvPr>
+        </p:nvSpPr>
+        <p:spPr>
+          <a:xfrm>
+            <a:off x="8536302" y="4749851"/>
+            <a:ext cx="548700" cy="393600"/>
+          </a:xfrm>
+          <a:prstGeom prst="rect">
+            <a:avLst/>
+          </a:prstGeom>
+          <a:noFill/>
+          <a:ln>
+            <a:noFill/>
+          </a:ln>
+        </p:spPr>
+        <p:txBody>
+          <a:bodyPr anchorCtr="0" anchor="ctr" bIns="91425" lIns="91425" spcFirstLastPara="1" rIns="91425" wrap="square" tIns="91425">
+            <a:normAutofit/>
+          </a:bodyPr>
+          <a:lstStyle/>
+          <a:p>
+            <a:pPr indent="0" lvl="0" marL="0" rtl="0" algn="r">
+              <a:lnSpc>
+                <a:spcPct val="100000"/>
+              </a:lnSpc>
+              <a:spcBef>
+                <a:spcPts val="0"/>
+              </a:spcBef>
+              <a:spcAft>
+                <a:spcPts val="0"/>
+              </a:spcAft>
+              <a:buSzPts val="1000"/>
+              <a:buNone/>
+            </a:pPr>
+            <a:fld id="{00000000-1234-1234-1234-123412341234}" type="slidenum">
+              <a:rPr lang="en"/>
+              <a:t>‹#›</a:t>
+            </a:fld>
+            <a:endParaRPr/>
+          </a:p>
+        </p:txBody>
+      </p:sp>
+    </p:spTree>
+  </p:cSld>
+  <p:clrMapOvr>
+    <a:masterClrMapping/>
+  </p:clrMapOvr>
+</p:sld>
+</file>
+
+<file path=ppt/slides/slide9.xml><?xml version="1.0" encoding="utf-8"?>
+<p:sld xmlns:a="http://schemas.openxmlformats.org/drawingml/2006/main" xmlns:r="http://schemas.openxmlformats.org/officeDocument/2006/relationships" xmlns:mc="http://schemas.openxmlformats.org/markup-compatibility/2006" xmlns:mv="urn:schemas-microsoft-com:mac:vml" xmlns:p="http://schemas.openxmlformats.org/presentationml/2006/main" xmlns:c="http://schemas.openxmlformats.org/drawingml/2006/chart" xmlns:dgm="http://schemas.openxmlformats.org/drawingml/2006/diagram" xmlns:o="urn:schemas-microsoft-com:office:office" xmlns:v="urn:schemas-microsoft-com:vml" xmlns:pvml="urn:schemas-microsoft-com:office:powerpoint" xmlns:com="http://schemas.openxmlformats.org/drawingml/2006/compatibility" xmlns:p14="http://schemas.microsoft.com/office/powerpoint/2010/main" xmlns:p15="http://schemas.microsoft.com/office/powerpoint/2012/main" xmlns:ahyp="http://schemas.microsoft.com/office/drawing/2018/hyperlinkcolor">
+  <p:cSld>
+    <p:spTree>
+      <p:nvGrpSpPr>
+        <p:cNvPr id="149" name="Shape 149"/>
+        <p:cNvGrpSpPr/>
+        <p:nvPr/>
+      </p:nvGrpSpPr>
+      <p:grpSpPr>
+        <a:xfrm>
+          <a:off x="0" y="0"/>
+          <a:ext cx="0" cy="0"/>
+          <a:chOff x="0" y="0"/>
+          <a:chExt cx="0" cy="0"/>
+        </a:xfrm>
+      </p:grpSpPr>
+      <p:sp>
+        <p:nvSpPr>
+          <p:cNvPr id="150" name="Google Shape;150;p21"/>
           <p:cNvSpPr txBox="1"/>
           <p:nvPr>
             <p:ph type="title"/>
@@ -14007,7 +14442,7 @@
       </p:sp>
       <p:sp>
         <p:nvSpPr>
-          <p:cNvPr id="142" name="Google Shape;142;p20"/>
+          <p:cNvPr id="151" name="Google Shape;151;p21"/>
           <p:cNvSpPr txBox="1"/>
           <p:nvPr>
             <p:ph idx="1" type="body"/>
@@ -14275,7 +14710,7 @@
       </p:sp>
       <p:sp>
         <p:nvSpPr>
-          <p:cNvPr id="143" name="Google Shape;143;p20"/>
+          <p:cNvPr id="152" name="Google Shape;152;p21"/>
           <p:cNvSpPr txBox="1"/>
           <p:nvPr>
             <p:ph idx="12" type="sldNum"/>
